--- a/Презентация.pptx
+++ b/Презентация.pptx
@@ -120,7 +120,7 @@
   </p:defaultTextStyle>
   <p:extLst>
     <p:ext uri="{EFAFB233-063F-42B5-8137-9DF3F51BA10A}">
-      <p15:sldGuideLst xmlns:p15="http://schemas.microsoft.com/office/powerpoint/2012/main" xmlns="">
+      <p15:sldGuideLst xmlns:p15="http://schemas.microsoft.com/office/powerpoint/2012/main">
         <p15:guide id="1" orient="horz" pos="1620" userDrawn="1">
           <p15:clr>
             <a:srgbClr val="A4A3A4"/>
@@ -220,7 +220,7 @@
             <a:fld id="{46D652B2-8C6E-419B-8E93-813F678ADC08}" type="datetimeFigureOut">
               <a:rPr lang="ru-RU" smtClean="0"/>
               <a:pPr/>
-              <a:t>23.02.2026</a:t>
+              <a:t>25.02.2026</a:t>
             </a:fld>
             <a:endParaRPr lang="ru-RU"/>
           </a:p>
@@ -722,7 +722,7 @@
             <a:fld id="{5DC27F7B-D4F1-4F35-9C8F-5068D8132B1D}" type="datetimeFigureOut">
               <a:rPr lang="ru-RU" smtClean="0"/>
               <a:pPr/>
-              <a:t>23.02.2026</a:t>
+              <a:t>25.02.2026</a:t>
             </a:fld>
             <a:endParaRPr lang="ru-RU"/>
           </a:p>
@@ -889,7 +889,7 @@
             <a:fld id="{5DC27F7B-D4F1-4F35-9C8F-5068D8132B1D}" type="datetimeFigureOut">
               <a:rPr lang="ru-RU" smtClean="0"/>
               <a:pPr/>
-              <a:t>23.02.2026</a:t>
+              <a:t>25.02.2026</a:t>
             </a:fld>
             <a:endParaRPr lang="ru-RU"/>
           </a:p>
@@ -1066,7 +1066,7 @@
             <a:fld id="{5DC27F7B-D4F1-4F35-9C8F-5068D8132B1D}" type="datetimeFigureOut">
               <a:rPr lang="ru-RU" smtClean="0"/>
               <a:pPr/>
-              <a:t>23.02.2026</a:t>
+              <a:t>25.02.2026</a:t>
             </a:fld>
             <a:endParaRPr lang="ru-RU"/>
           </a:p>
@@ -1233,7 +1233,7 @@
             <a:fld id="{5DC27F7B-D4F1-4F35-9C8F-5068D8132B1D}" type="datetimeFigureOut">
               <a:rPr lang="ru-RU" smtClean="0"/>
               <a:pPr/>
-              <a:t>23.02.2026</a:t>
+              <a:t>25.02.2026</a:t>
             </a:fld>
             <a:endParaRPr lang="ru-RU"/>
           </a:p>
@@ -1476,7 +1476,7 @@
             <a:fld id="{5DC27F7B-D4F1-4F35-9C8F-5068D8132B1D}" type="datetimeFigureOut">
               <a:rPr lang="ru-RU" smtClean="0"/>
               <a:pPr/>
-              <a:t>23.02.2026</a:t>
+              <a:t>25.02.2026</a:t>
             </a:fld>
             <a:endParaRPr lang="ru-RU"/>
           </a:p>
@@ -1761,7 +1761,7 @@
             <a:fld id="{5DC27F7B-D4F1-4F35-9C8F-5068D8132B1D}" type="datetimeFigureOut">
               <a:rPr lang="ru-RU" smtClean="0"/>
               <a:pPr/>
-              <a:t>23.02.2026</a:t>
+              <a:t>25.02.2026</a:t>
             </a:fld>
             <a:endParaRPr lang="ru-RU"/>
           </a:p>
@@ -2185,7 +2185,7 @@
             <a:fld id="{5DC27F7B-D4F1-4F35-9C8F-5068D8132B1D}" type="datetimeFigureOut">
               <a:rPr lang="ru-RU" smtClean="0"/>
               <a:pPr/>
-              <a:t>23.02.2026</a:t>
+              <a:t>25.02.2026</a:t>
             </a:fld>
             <a:endParaRPr lang="ru-RU"/>
           </a:p>
@@ -2300,7 +2300,7 @@
             <a:fld id="{5DC27F7B-D4F1-4F35-9C8F-5068D8132B1D}" type="datetimeFigureOut">
               <a:rPr lang="ru-RU" smtClean="0"/>
               <a:pPr/>
-              <a:t>23.02.2026</a:t>
+              <a:t>25.02.2026</a:t>
             </a:fld>
             <a:endParaRPr lang="ru-RU"/>
           </a:p>
@@ -2392,7 +2392,7 @@
             <a:fld id="{5DC27F7B-D4F1-4F35-9C8F-5068D8132B1D}" type="datetimeFigureOut">
               <a:rPr lang="ru-RU" smtClean="0"/>
               <a:pPr/>
-              <a:t>23.02.2026</a:t>
+              <a:t>25.02.2026</a:t>
             </a:fld>
             <a:endParaRPr lang="ru-RU"/>
           </a:p>
@@ -2666,7 +2666,7 @@
             <a:fld id="{5DC27F7B-D4F1-4F35-9C8F-5068D8132B1D}" type="datetimeFigureOut">
               <a:rPr lang="ru-RU" smtClean="0"/>
               <a:pPr/>
-              <a:t>23.02.2026</a:t>
+              <a:t>25.02.2026</a:t>
             </a:fld>
             <a:endParaRPr lang="ru-RU"/>
           </a:p>
@@ -2916,7 +2916,7 @@
             <a:fld id="{5DC27F7B-D4F1-4F35-9C8F-5068D8132B1D}" type="datetimeFigureOut">
               <a:rPr lang="ru-RU" smtClean="0"/>
               <a:pPr/>
-              <a:t>23.02.2026</a:t>
+              <a:t>25.02.2026</a:t>
             </a:fld>
             <a:endParaRPr lang="ru-RU"/>
           </a:p>
@@ -3126,7 +3126,7 @@
             <a:fld id="{5DC27F7B-D4F1-4F35-9C8F-5068D8132B1D}" type="datetimeFigureOut">
               <a:rPr lang="ru-RU" smtClean="0"/>
               <a:pPr/>
-              <a:t>23.02.2026</a:t>
+              <a:t>25.02.2026</a:t>
             </a:fld>
             <a:endParaRPr lang="ru-RU"/>
           </a:p>
@@ -3851,13 +3851,7 @@
               <a:rPr lang="ru-RU" sz="2200" dirty="0" smtClean="0">
                 <a:sym typeface="+mn-ea"/>
               </a:rPr>
-              <a:t>В будущем возможно дальнейшее развитие и совершенствование программы </a:t>
-            </a:r>
-            <a:r>
-              <a:rPr lang="ru-RU" sz="2200" dirty="0" smtClean="0">
-                <a:sym typeface="+mn-ea"/>
-              </a:rPr>
-              <a:t>программы</a:t>
+              <a:t>В будущем возможно дальнейшее развитие и совершенствование программы программы</a:t>
             </a:r>
             <a:endParaRPr lang="ru-RU" sz="2200" dirty="0"/>
           </a:p>
@@ -4112,7 +4106,35 @@
                   <a:schemeClr val="tx1"/>
                 </a:solidFill>
               </a:rPr>
-              <a:t>Создание приложения для оучения игре на гитаре</a:t>
+              <a:t>Создание приложения для </a:t>
+            </a:r>
+            <a:r>
+              <a:rPr lang="ru-RU" sz="2200" dirty="0" smtClean="0">
+                <a:solidFill>
+                  <a:schemeClr val="tx1"/>
+                </a:solidFill>
+              </a:rPr>
+              <a:t>о</a:t>
+            </a:r>
+            <a:r>
+              <a:rPr lang="ru-RU" sz="2200" dirty="0"/>
+              <a:t>б</a:t>
+            </a:r>
+            <a:r>
+              <a:rPr lang="ru-RU" sz="2200" dirty="0" smtClean="0">
+                <a:solidFill>
+                  <a:schemeClr val="tx1"/>
+                </a:solidFill>
+              </a:rPr>
+              <a:t>учения </a:t>
+            </a:r>
+            <a:r>
+              <a:rPr lang="ru-RU" sz="2200" dirty="0">
+                <a:solidFill>
+                  <a:schemeClr val="tx1"/>
+                </a:solidFill>
+              </a:rPr>
+              <a:t>игре на гитаре</a:t>
             </a:r>
           </a:p>
         </p:txBody>
@@ -4415,8 +4437,20 @@
                 <a:tableStyleId>{2D5ABB26-0587-4C30-8999-92F81FD0307C}</a:tableStyleId>
               </a:tblPr>
               <a:tblGrid>
-                <a:gridCol w="4129102"/>
-                <a:gridCol w="4129102"/>
+                <a:gridCol w="4129102">
+                  <a:extLst>
+                    <a:ext uri="{9D8B030D-6E8A-4147-A177-3AD203B41FA5}">
+                      <a16:colId xmlns:a16="http://schemas.microsoft.com/office/drawing/2014/main" val="20000"/>
+                    </a:ext>
+                  </a:extLst>
+                </a:gridCol>
+                <a:gridCol w="4129102">
+                  <a:extLst>
+                    <a:ext uri="{9D8B030D-6E8A-4147-A177-3AD203B41FA5}">
+                      <a16:colId xmlns:a16="http://schemas.microsoft.com/office/drawing/2014/main" val="20001"/>
+                    </a:ext>
+                  </a:extLst>
+                </a:gridCol>
               </a:tblGrid>
               <a:tr h="390682">
                 <a:tc>
@@ -4530,6 +4564,11 @@
                     </a:lnBlToTr>
                   </a:tcPr>
                 </a:tc>
+                <a:extLst>
+                  <a:ext uri="{0D108BD9-81ED-4DB2-BD59-A6C34878D82A}">
+                    <a16:rowId xmlns:a16="http://schemas.microsoft.com/office/drawing/2014/main" val="10000"/>
+                  </a:ext>
+                </a:extLst>
               </a:tr>
               <a:tr h="2752590">
                 <a:tc>
@@ -4634,6 +4673,11 @@
                     </a:lnBlToTr>
                   </a:tcPr>
                 </a:tc>
+                <a:extLst>
+                  <a:ext uri="{0D108BD9-81ED-4DB2-BD59-A6C34878D82A}">
+                    <a16:rowId xmlns:a16="http://schemas.microsoft.com/office/drawing/2014/main" val="10001"/>
+                  </a:ext>
+                </a:extLst>
               </a:tr>
             </a:tbl>
           </a:graphicData>
@@ -4929,25 +4973,39 @@
           </a:p>
         </p:txBody>
       </p:sp>
-      <p:sp>
-        <p:nvSpPr>
-          <p:cNvPr id="3" name="Содержимое 2"/>
-          <p:cNvSpPr>
-            <a:spLocks noGrp="1"/>
-          </p:cNvSpPr>
+      <p:pic>
+        <p:nvPicPr>
+          <p:cNvPr id="4" name="2026-02-25 09-20-42 - Trim">
+            <a:hlinkClick r:id="" action="ppaction://media"/>
+          </p:cNvPr>
+          <p:cNvPicPr>
+            <a:picLocks noGrp="1" noChangeAspect="1"/>
+          </p:cNvPicPr>
           <p:nvPr>
             <p:ph idx="1"/>
-          </p:nvPr>
-        </p:nvSpPr>
-        <p:spPr/>
-        <p:txBody>
-          <a:bodyPr/>
-          <a:lstStyle/>
-          <a:p>
-            <a:endParaRPr lang="ru-RU"/>
-          </a:p>
-        </p:txBody>
-      </p:sp>
+            <a:videoFile r:link="rId2"/>
+            <p:extLst>
+              <p:ext uri="{DAA4B4D4-6D71-4841-9C94-3DE7FCFB9230}">
+                <p14:media xmlns:p14="http://schemas.microsoft.com/office/powerpoint/2010/main" r:embed="rId1"/>
+              </p:ext>
+            </p:extLst>
+          </p:nvPr>
+        </p:nvPicPr>
+        <p:blipFill>
+          <a:blip r:embed="rId4">
+            <a:lum bright="-5000" contrast="15000"/>
+          </a:blip>
+          <a:stretch>
+            <a:fillRect/>
+          </a:stretch>
+        </p:blipFill>
+        <p:spPr>
+          <a:xfrm>
+            <a:off x="1105272" y="1707654"/>
+            <a:ext cx="6933456" cy="2517123"/>
+          </a:xfrm>
+        </p:spPr>
+      </p:pic>
     </p:spTree>
   </p:cSld>
   <p:clrMapOvr>
@@ -4959,7 +5017,80 @@
   <p:timing>
     <p:tnLst>
       <p:par>
-        <p:cTn id="1" dur="indefinite" restart="never" nodeType="tmRoot"/>
+        <p:cTn id="1" dur="indefinite" restart="never" nodeType="tmRoot">
+          <p:childTnLst>
+            <p:seq concurrent="1" nextAc="seek">
+              <p:cTn id="2" restart="whenNotActive" fill="hold" evtFilter="cancelBubble" nodeType="interactiveSeq">
+                <p:stCondLst>
+                  <p:cond evt="onClick" delay="0">
+                    <p:tgtEl>
+                      <p:spTgt spid="4"/>
+                    </p:tgtEl>
+                  </p:cond>
+                </p:stCondLst>
+                <p:endSync evt="end" delay="0">
+                  <p:rtn val="all"/>
+                </p:endSync>
+                <p:childTnLst>
+                  <p:par>
+                    <p:cTn id="3" fill="hold">
+                      <p:stCondLst>
+                        <p:cond delay="0"/>
+                      </p:stCondLst>
+                      <p:childTnLst>
+                        <p:par>
+                          <p:cTn id="4" fill="hold">
+                            <p:stCondLst>
+                              <p:cond delay="0"/>
+                            </p:stCondLst>
+                            <p:childTnLst>
+                              <p:par>
+                                <p:cTn id="5" presetID="2" presetClass="mediacall" presetSubtype="0" fill="hold" nodeType="clickEffect">
+                                  <p:stCondLst>
+                                    <p:cond delay="0"/>
+                                  </p:stCondLst>
+                                  <p:childTnLst>
+                                    <p:cmd type="call" cmd="togglePause">
+                                      <p:cBhvr>
+                                        <p:cTn id="6" dur="1" fill="hold"/>
+                                        <p:tgtEl>
+                                          <p:spTgt spid="4"/>
+                                        </p:tgtEl>
+                                      </p:cBhvr>
+                                    </p:cmd>
+                                  </p:childTnLst>
+                                </p:cTn>
+                              </p:par>
+                            </p:childTnLst>
+                          </p:cTn>
+                        </p:par>
+                      </p:childTnLst>
+                    </p:cTn>
+                  </p:par>
+                </p:childTnLst>
+              </p:cTn>
+              <p:nextCondLst>
+                <p:cond evt="onClick" delay="0">
+                  <p:tgtEl>
+                    <p:spTgt spid="4"/>
+                  </p:tgtEl>
+                </p:cond>
+              </p:nextCondLst>
+            </p:seq>
+            <p:video>
+              <p:cMediaNode vol="80000">
+                <p:cTn id="7" fill="hold" display="0">
+                  <p:stCondLst>
+                    <p:cond delay="indefinite"/>
+                  </p:stCondLst>
+                </p:cTn>
+                <p:tgtEl>
+                  <p:spTgt spid="4"/>
+                </p:tgtEl>
+              </p:cMediaNode>
+            </p:video>
+          </p:childTnLst>
+        </p:cTn>
       </p:par>
     </p:tnLst>
   </p:timing>
@@ -5030,9 +5161,27 @@
                 <a:tableStyleId>{2D5ABB26-0587-4C30-8999-92F81FD0307C}</a:tableStyleId>
               </a:tblPr>
               <a:tblGrid>
-                <a:gridCol w="2743200"/>
-                <a:gridCol w="2743200"/>
-                <a:gridCol w="2743200"/>
+                <a:gridCol w="2743200">
+                  <a:extLst>
+                    <a:ext uri="{9D8B030D-6E8A-4147-A177-3AD203B41FA5}">
+                      <a16:colId xmlns:a16="http://schemas.microsoft.com/office/drawing/2014/main" val="20000"/>
+                    </a:ext>
+                  </a:extLst>
+                </a:gridCol>
+                <a:gridCol w="2743200">
+                  <a:extLst>
+                    <a:ext uri="{9D8B030D-6E8A-4147-A177-3AD203B41FA5}">
+                      <a16:colId xmlns:a16="http://schemas.microsoft.com/office/drawing/2014/main" val="20001"/>
+                    </a:ext>
+                  </a:extLst>
+                </a:gridCol>
+                <a:gridCol w="2743200">
+                  <a:extLst>
+                    <a:ext uri="{9D8B030D-6E8A-4147-A177-3AD203B41FA5}">
+                      <a16:colId xmlns:a16="http://schemas.microsoft.com/office/drawing/2014/main" val="20002"/>
+                    </a:ext>
+                  </a:extLst>
+                </a:gridCol>
               </a:tblGrid>
               <a:tr h="694690">
                 <a:tc>
@@ -5191,6 +5340,11 @@
                     </a:lnB>
                   </a:tcPr>
                 </a:tc>
+                <a:extLst>
+                  <a:ext uri="{0D108BD9-81ED-4DB2-BD59-A6C34878D82A}">
+                    <a16:rowId xmlns:a16="http://schemas.microsoft.com/office/drawing/2014/main" val="10000"/>
+                  </a:ext>
+                </a:extLst>
               </a:tr>
               <a:tr h="2204720">
                 <a:tc>
@@ -5295,6 +5449,11 @@
                     </a:lnB>
                   </a:tcPr>
                 </a:tc>
+                <a:extLst>
+                  <a:ext uri="{0D108BD9-81ED-4DB2-BD59-A6C34878D82A}">
+                    <a16:rowId xmlns:a16="http://schemas.microsoft.com/office/drawing/2014/main" val="10001"/>
+                  </a:ext>
+                </a:extLst>
               </a:tr>
               <a:tr h="931545">
                 <a:tc>
@@ -5447,6 +5606,11 @@
                     </a:lnT>
                   </a:tcPr>
                 </a:tc>
+                <a:extLst>
+                  <a:ext uri="{0D108BD9-81ED-4DB2-BD59-A6C34878D82A}">
+                    <a16:rowId xmlns:a16="http://schemas.microsoft.com/office/drawing/2014/main" val="10002"/>
+                  </a:ext>
+                </a:extLst>
               </a:tr>
             </a:tbl>
           </a:graphicData>
@@ -6337,7 +6501,7 @@
   <a:extraClrSchemeLst/>
   <a:extLst>
     <a:ext uri="{05A4C25C-085E-4340-85A3-A5531E510DB2}">
-      <thm15:themeFamily xmlns:thm15="http://schemas.microsoft.com/office/thememl/2012/main" xmlns="" name="Office Theme" id="{62F939B6-93AF-4DB8-9C6B-D6C7DFDC589F}" vid="{4A3C46E8-61CC-4603-A589-7422A47A8E4A}"/>
+      <thm15:themeFamily xmlns:thm15="http://schemas.microsoft.com/office/thememl/2012/main" name="Office Theme" id="{62F939B6-93AF-4DB8-9C6B-D6C7DFDC589F}" vid="{4A3C46E8-61CC-4603-A589-7422A47A8E4A}"/>
     </a:ext>
   </a:extLst>
 </a:theme>
@@ -6598,7 +6762,7 @@
   <a:extraClrSchemeLst/>
   <a:extLst>
     <a:ext uri="{05A4C25C-085E-4340-85A3-A5531E510DB2}">
-      <thm15:themeFamily xmlns:thm15="http://schemas.microsoft.com/office/thememl/2012/main" xmlns="" name="Office Theme" id="{62F939B6-93AF-4DB8-9C6B-D6C7DFDC589F}" vid="{4A3C46E8-61CC-4603-A589-7422A47A8E4A}"/>
+      <thm15:themeFamily xmlns:thm15="http://schemas.microsoft.com/office/thememl/2012/main" name="Office Theme" id="{62F939B6-93AF-4DB8-9C6B-D6C7DFDC589F}" vid="{4A3C46E8-61CC-4603-A589-7422A47A8E4A}"/>
     </a:ext>
   </a:extLst>
 </a:theme>
